--- a/slides/triads-ris-workshop-day-4.pptx
+++ b/slides/triads-ris-workshop-day-4.pptx
@@ -5,7 +5,7 @@
     <p:sldMasterId id="2147483648" r:id="rId1"/>
   </p:sldMasterIdLst>
   <p:notesMasterIdLst>
-    <p:notesMasterId r:id="rId16"/>
+    <p:notesMasterId r:id="rId17"/>
   </p:notesMasterIdLst>
   <p:sldIdLst>
     <p:sldId id="256" r:id="rId2"/>
@@ -20,8 +20,9 @@
     <p:sldId id="331" r:id="rId11"/>
     <p:sldId id="332" r:id="rId12"/>
     <p:sldId id="333" r:id="rId13"/>
-    <p:sldId id="297" r:id="rId14"/>
-    <p:sldId id="294" r:id="rId15"/>
+    <p:sldId id="334" r:id="rId14"/>
+    <p:sldId id="297" r:id="rId15"/>
+    <p:sldId id="294" r:id="rId16"/>
   </p:sldIdLst>
   <p:sldSz cx="12192000" cy="6858000"/>
   <p:notesSz cx="6858000" cy="9144000"/>
@@ -210,7 +211,7 @@
           <a:p>
             <a:fld id="{0EB23CB4-0EBB-7E43-AEC8-D5ADDA650247}" type="datetimeFigureOut">
               <a:rPr lang="en-US" smtClean="0"/>
-              <a:t>11/12/24</a:t>
+              <a:t>11/13/24</a:t>
             </a:fld>
             <a:endParaRPr lang="en-US"/>
           </a:p>
@@ -878,7 +879,7 @@
           <a:p>
             <a:fld id="{C2FD1589-7E77-6440-8706-C35CABE01F1C}" type="slidenum">
               <a:rPr lang="en-US" smtClean="0"/>
-              <a:t>14</a:t>
+              <a:t>15</a:t>
             </a:fld>
             <a:endParaRPr lang="en-US"/>
           </a:p>
@@ -1044,7 +1045,7 @@
           <a:p>
             <a:fld id="{2B281CE9-E0DF-2844-850D-DF93F0722CA0}" type="datetimeFigureOut">
               <a:rPr lang="en-US" smtClean="0"/>
-              <a:t>11/12/24</a:t>
+              <a:t>11/13/24</a:t>
             </a:fld>
             <a:endParaRPr lang="en-US"/>
           </a:p>
@@ -1242,7 +1243,7 @@
           <a:p>
             <a:fld id="{2B281CE9-E0DF-2844-850D-DF93F0722CA0}" type="datetimeFigureOut">
               <a:rPr lang="en-US" smtClean="0"/>
-              <a:t>11/12/24</a:t>
+              <a:t>11/13/24</a:t>
             </a:fld>
             <a:endParaRPr lang="en-US"/>
           </a:p>
@@ -1450,7 +1451,7 @@
           <a:p>
             <a:fld id="{2B281CE9-E0DF-2844-850D-DF93F0722CA0}" type="datetimeFigureOut">
               <a:rPr lang="en-US" smtClean="0"/>
-              <a:t>11/12/24</a:t>
+              <a:t>11/13/24</a:t>
             </a:fld>
             <a:endParaRPr lang="en-US"/>
           </a:p>
@@ -1648,7 +1649,7 @@
           <a:p>
             <a:fld id="{2B281CE9-E0DF-2844-850D-DF93F0722CA0}" type="datetimeFigureOut">
               <a:rPr lang="en-US" smtClean="0"/>
-              <a:t>11/12/24</a:t>
+              <a:t>11/13/24</a:t>
             </a:fld>
             <a:endParaRPr lang="en-US"/>
           </a:p>
@@ -1923,7 +1924,7 @@
           <a:p>
             <a:fld id="{2B281CE9-E0DF-2844-850D-DF93F0722CA0}" type="datetimeFigureOut">
               <a:rPr lang="en-US" smtClean="0"/>
-              <a:t>11/12/24</a:t>
+              <a:t>11/13/24</a:t>
             </a:fld>
             <a:endParaRPr lang="en-US"/>
           </a:p>
@@ -2188,7 +2189,7 @@
           <a:p>
             <a:fld id="{2B281CE9-E0DF-2844-850D-DF93F0722CA0}" type="datetimeFigureOut">
               <a:rPr lang="en-US" smtClean="0"/>
-              <a:t>11/12/24</a:t>
+              <a:t>11/13/24</a:t>
             </a:fld>
             <a:endParaRPr lang="en-US"/>
           </a:p>
@@ -2600,7 +2601,7 @@
           <a:p>
             <a:fld id="{2B281CE9-E0DF-2844-850D-DF93F0722CA0}" type="datetimeFigureOut">
               <a:rPr lang="en-US" smtClean="0"/>
-              <a:t>11/12/24</a:t>
+              <a:t>11/13/24</a:t>
             </a:fld>
             <a:endParaRPr lang="en-US"/>
           </a:p>
@@ -2741,7 +2742,7 @@
           <a:p>
             <a:fld id="{2B281CE9-E0DF-2844-850D-DF93F0722CA0}" type="datetimeFigureOut">
               <a:rPr lang="en-US" smtClean="0"/>
-              <a:t>11/12/24</a:t>
+              <a:t>11/13/24</a:t>
             </a:fld>
             <a:endParaRPr lang="en-US"/>
           </a:p>
@@ -2854,7 +2855,7 @@
           <a:p>
             <a:fld id="{2B281CE9-E0DF-2844-850D-DF93F0722CA0}" type="datetimeFigureOut">
               <a:rPr lang="en-US" smtClean="0"/>
-              <a:t>11/12/24</a:t>
+              <a:t>11/13/24</a:t>
             </a:fld>
             <a:endParaRPr lang="en-US"/>
           </a:p>
@@ -3165,7 +3166,7 @@
           <a:p>
             <a:fld id="{2B281CE9-E0DF-2844-850D-DF93F0722CA0}" type="datetimeFigureOut">
               <a:rPr lang="en-US" smtClean="0"/>
-              <a:t>11/12/24</a:t>
+              <a:t>11/13/24</a:t>
             </a:fld>
             <a:endParaRPr lang="en-US"/>
           </a:p>
@@ -3453,7 +3454,7 @@
           <a:p>
             <a:fld id="{2B281CE9-E0DF-2844-850D-DF93F0722CA0}" type="datetimeFigureOut">
               <a:rPr lang="en-US" smtClean="0"/>
-              <a:t>11/12/24</a:t>
+              <a:t>11/13/24</a:t>
             </a:fld>
             <a:endParaRPr lang="en-US"/>
           </a:p>
@@ -3694,7 +3695,7 @@
           <a:p>
             <a:fld id="{2B281CE9-E0DF-2844-850D-DF93F0722CA0}" type="datetimeFigureOut">
               <a:rPr lang="en-US" smtClean="0"/>
-              <a:t>11/12/24</a:t>
+              <a:t>11/13/24</a:t>
             </a:fld>
             <a:endParaRPr lang="en-US"/>
           </a:p>
@@ -4325,7 +4326,7 @@
             <a:pPr lvl="1"/>
             <a:r>
               <a:rPr lang="en-US" dirty="0"/>
-              <a:t>Export WORKSHOP=/storage1/fs1/workshops/Active/</a:t>
+              <a:t>export WORKSHOP=/storage1/fs1/workshops/Active/</a:t>
             </a:r>
             <a:r>
               <a:rPr lang="en-US" dirty="0" err="1"/>
@@ -4453,6 +4454,49 @@
             </a:r>
           </a:p>
           <a:p>
+            <a:pPr lvl="1"/>
+            <a:r>
+              <a:rPr lang="en-US" dirty="0" err="1"/>
+              <a:t>bsub</a:t>
+            </a:r>
+            <a:r>
+              <a:rPr lang="en-US" dirty="0"/>
+              <a:t> -Is -G compute-</a:t>
+            </a:r>
+            <a:r>
+              <a:rPr lang="en-US" dirty="0" err="1"/>
+              <a:t>artsci</a:t>
+            </a:r>
+            <a:r>
+              <a:rPr lang="en-US" dirty="0"/>
+              <a:t> -q </a:t>
+            </a:r>
+            <a:r>
+              <a:rPr lang="en-US" dirty="0" err="1"/>
+              <a:t>artsci</a:t>
+            </a:r>
+            <a:r>
+              <a:rPr lang="en-US" dirty="0"/>
+              <a:t>-interactive -a "docker(</a:t>
+            </a:r>
+            <a:r>
+              <a:rPr lang="en-US" dirty="0" err="1"/>
+              <a:t>gregeporter</a:t>
+            </a:r>
+            <a:r>
+              <a:rPr lang="en-US" dirty="0"/>
+              <a:t>/</a:t>
+            </a:r>
+            <a:r>
+              <a:rPr lang="en-US" dirty="0" err="1"/>
+              <a:t>workshop-python:with-files</a:t>
+            </a:r>
+            <a:r>
+              <a:rPr lang="en-US" dirty="0"/>
+              <a:t>)" /bin/bash</a:t>
+            </a:r>
+          </a:p>
+          <a:p>
             <a:r>
               <a:rPr lang="en-US" dirty="0"/>
               <a:t>You should be able to access your storage directory</a:t>
@@ -4754,6 +4798,112 @@
           <p:cNvPr id="2" name="Title 1">
             <a:extLst>
               <a:ext uri="{FF2B5EF4-FFF2-40B4-BE49-F238E27FC236}">
+                <a16:creationId xmlns:a16="http://schemas.microsoft.com/office/drawing/2014/main" id="{6F95303B-83D5-BCC5-581B-4C23EC82FA4C}"/>
+              </a:ext>
+            </a:extLst>
+          </p:cNvPr>
+          <p:cNvSpPr>
+            <a:spLocks noGrp="1"/>
+          </p:cNvSpPr>
+          <p:nvPr>
+            <p:ph type="title"/>
+          </p:nvPr>
+        </p:nvSpPr>
+        <p:spPr/>
+        <p:txBody>
+          <a:bodyPr/>
+          <a:lstStyle/>
+          <a:p>
+            <a:r>
+              <a:rPr lang="en-US" dirty="0"/>
+              <a:t>Parallel Processing</a:t>
+            </a:r>
+          </a:p>
+        </p:txBody>
+      </p:sp>
+      <p:sp>
+        <p:nvSpPr>
+          <p:cNvPr id="3" name="Content Placeholder 2">
+            <a:extLst>
+              <a:ext uri="{FF2B5EF4-FFF2-40B4-BE49-F238E27FC236}">
+                <a16:creationId xmlns:a16="http://schemas.microsoft.com/office/drawing/2014/main" id="{2820891C-6512-5F98-A95C-AF34FBE0C96C}"/>
+              </a:ext>
+            </a:extLst>
+          </p:cNvPr>
+          <p:cNvSpPr>
+            <a:spLocks noGrp="1"/>
+          </p:cNvSpPr>
+          <p:nvPr>
+            <p:ph idx="1"/>
+          </p:nvPr>
+        </p:nvSpPr>
+        <p:spPr/>
+        <p:txBody>
+          <a:bodyPr/>
+          <a:lstStyle/>
+          <a:p>
+            <a:r>
+              <a:rPr lang="en-US" dirty="0"/>
+              <a:t>Two key pages in RIS documentation</a:t>
+            </a:r>
+          </a:p>
+          <a:p>
+            <a:pPr lvl="1"/>
+            <a:r>
+              <a:rPr lang="en-US" dirty="0">
+                <a:hlinkClick r:id="rId2"/>
+              </a:rPr>
+              <a:t>MPI tutorial</a:t>
+            </a:r>
+            <a:endParaRPr lang="en-US" dirty="0"/>
+          </a:p>
+          <a:p>
+            <a:pPr lvl="1"/>
+            <a:r>
+              <a:rPr lang="en-US" dirty="0">
+                <a:hlinkClick r:id="rId2"/>
+              </a:rPr>
+              <a:t>General parallel processing</a:t>
+            </a:r>
+            <a:endParaRPr lang="en-US" dirty="0"/>
+          </a:p>
+        </p:txBody>
+      </p:sp>
+    </p:spTree>
+    <p:extLst>
+      <p:ext uri="{BB962C8B-B14F-4D97-AF65-F5344CB8AC3E}">
+        <p14:creationId xmlns:p14="http://schemas.microsoft.com/office/powerpoint/2010/main" val="920964499"/>
+      </p:ext>
+    </p:extLst>
+  </p:cSld>
+  <p:clrMapOvr>
+    <a:masterClrMapping/>
+  </p:clrMapOvr>
+</p:sld>
+</file>
+
+<file path=ppt/slides/slide14.xml><?xml version="1.0" encoding="utf-8"?>
+<p:sld xmlns:a="http://schemas.openxmlformats.org/drawingml/2006/main" xmlns:r="http://schemas.openxmlformats.org/officeDocument/2006/relationships" xmlns:p="http://schemas.openxmlformats.org/presentationml/2006/main">
+  <p:cSld>
+    <p:spTree>
+      <p:nvGrpSpPr>
+        <p:cNvPr id="1" name=""/>
+        <p:cNvGrpSpPr/>
+        <p:nvPr/>
+      </p:nvGrpSpPr>
+      <p:grpSpPr>
+        <a:xfrm>
+          <a:off x="0" y="0"/>
+          <a:ext cx="0" cy="0"/>
+          <a:chOff x="0" y="0"/>
+          <a:chExt cx="0" cy="0"/>
+        </a:xfrm>
+      </p:grpSpPr>
+      <p:sp>
+        <p:nvSpPr>
+          <p:cNvPr id="2" name="Title 1">
+            <a:extLst>
+              <a:ext uri="{FF2B5EF4-FFF2-40B4-BE49-F238E27FC236}">
                 <a16:creationId xmlns:a16="http://schemas.microsoft.com/office/drawing/2014/main" id="{0BA656BF-8100-F11D-1A69-A830A4576E47}"/>
               </a:ext>
             </a:extLst>
@@ -4772,7 +4922,7 @@
           <a:p>
             <a:r>
               <a:rPr lang="en-US" dirty="0"/>
-              <a:t>In sum</a:t>
+              <a:t>In sum – our objectives</a:t>
             </a:r>
           </a:p>
         </p:txBody>
@@ -4795,29 +4945,98 @@
         </p:nvSpPr>
         <p:spPr/>
         <p:txBody>
-          <a:bodyPr/>
-          <a:lstStyle/>
-          <a:p>
-            <a:r>
-              <a:rPr lang="en-US" dirty="0"/>
-              <a:t>Why Docker</a:t>
-            </a:r>
-          </a:p>
-          <a:p>
-            <a:r>
-              <a:rPr lang="en-US" dirty="0"/>
-              <a:t>What is a </a:t>
-            </a:r>
-            <a:r>
-              <a:rPr lang="en-US" dirty="0" err="1"/>
+          <a:bodyPr>
+            <a:normAutofit fontScale="85000" lnSpcReduction="20000"/>
+          </a:bodyPr>
+          <a:lstStyle/>
+          <a:p>
+            <a:r>
+              <a:rPr lang="en-US" dirty="0"/>
+              <a:t>Day 1</a:t>
+            </a:r>
+          </a:p>
+          <a:p>
+            <a:pPr lvl="1"/>
+            <a:r>
+              <a:rPr lang="en-US" dirty="0"/>
+              <a:t>Store data on the RIS</a:t>
+            </a:r>
+          </a:p>
+          <a:p>
+            <a:r>
+              <a:rPr lang="en-US" dirty="0"/>
+              <a:t>Day 2</a:t>
+            </a:r>
+          </a:p>
+          <a:p>
+            <a:pPr lvl="1"/>
+            <a:r>
+              <a:rPr lang="en-US" dirty="0"/>
+              <a:t>Run basic program </a:t>
+            </a:r>
+          </a:p>
+          <a:p>
+            <a:r>
+              <a:rPr lang="en-US" dirty="0"/>
+              <a:t>Day 3</a:t>
+            </a:r>
+          </a:p>
+          <a:p>
+            <a:pPr lvl="1"/>
+            <a:r>
+              <a:rPr lang="en-US" dirty="0"/>
+              <a:t>Make your own image</a:t>
+            </a:r>
+          </a:p>
+          <a:p>
+            <a:r>
+              <a:rPr lang="en-US" dirty="0"/>
+              <a:t>Day 4</a:t>
+            </a:r>
+          </a:p>
+          <a:p>
+            <a:pPr lvl="1"/>
+            <a:r>
+              <a:rPr lang="en-US" dirty="0"/>
+              <a:t>Explore more advanced options</a:t>
+            </a:r>
+          </a:p>
+          <a:p>
+            <a:endParaRPr lang="en-US" dirty="0"/>
+          </a:p>
+          <a:p>
+            <a:r>
+              <a:rPr lang="en-US" b="1" dirty="0"/>
+              <a:t>Learning outcomes:</a:t>
+            </a:r>
+          </a:p>
+          <a:p>
+            <a:pPr lvl="1"/>
+            <a:r>
+              <a:rPr lang="en-US" b="1" dirty="0"/>
+              <a:t>Be able to put data on the RIS</a:t>
+            </a:r>
+          </a:p>
+          <a:p>
+            <a:pPr lvl="1"/>
+            <a:r>
+              <a:rPr lang="en-US" b="1" dirty="0"/>
+              <a:t>Run a program on the RIS</a:t>
+            </a:r>
+          </a:p>
+          <a:p>
+            <a:pPr lvl="1"/>
+            <a:r>
+              <a:rPr lang="en-US" b="1" dirty="0"/>
+              <a:t>Update a </a:t>
+            </a:r>
+            <a:r>
+              <a:rPr lang="en-US" b="1" dirty="0" err="1"/>
               <a:t>Dockerfile</a:t>
             </a:r>
-            <a:endParaRPr lang="en-US" dirty="0"/>
-          </a:p>
-          <a:p>
-            <a:r>
-              <a:rPr lang="en-US" dirty="0"/>
-              <a:t>How to build on the RIS</a:t>
+            <a:r>
+              <a:rPr lang="en-US" b="1" dirty="0"/>
+              <a:t> to include a library you might need for your code</a:t>
             </a:r>
           </a:p>
         </p:txBody>
@@ -4835,7 +5054,7 @@
 </p:sld>
 </file>
 
-<file path=ppt/slides/slide14.xml><?xml version="1.0" encoding="utf-8"?>
+<file path=ppt/slides/slide15.xml><?xml version="1.0" encoding="utf-8"?>
 <p:sld xmlns:a="http://schemas.openxmlformats.org/drawingml/2006/main" xmlns:r="http://schemas.openxmlformats.org/officeDocument/2006/relationships" xmlns:p="http://schemas.openxmlformats.org/presentationml/2006/main">
   <p:cSld>
     <p:spTree>
@@ -5130,7 +5349,7 @@
         <p:spPr/>
         <p:txBody>
           <a:bodyPr>
-            <a:normAutofit lnSpcReduction="10000"/>
+            <a:normAutofit fontScale="92500" lnSpcReduction="20000"/>
           </a:bodyPr>
           <a:lstStyle/>
           <a:p>
@@ -5157,6 +5376,18 @@
             <a:r>
               <a:rPr lang="en-US" dirty="0"/>
               <a:t>Including code at runtime</a:t>
+            </a:r>
+          </a:p>
+          <a:p>
+            <a:r>
+              <a:rPr lang="en-US" dirty="0"/>
+              <a:t>File output</a:t>
+            </a:r>
+          </a:p>
+          <a:p>
+            <a:r>
+              <a:rPr lang="en-US" dirty="0"/>
+              <a:t>Parallel processing</a:t>
             </a:r>
           </a:p>
           <a:p>
@@ -5174,10 +5405,7 @@
             </a:r>
           </a:p>
           <a:p>
-            <a:r>
-              <a:rPr lang="en-US" dirty="0"/>
-              <a:t>File output</a:t>
-            </a:r>
+            <a:endParaRPr lang="en-US" dirty="0"/>
           </a:p>
           <a:p>
             <a:r>
@@ -5867,7 +6095,7 @@
             <a:pPr lvl="1"/>
             <a:r>
               <a:rPr lang="en-US" dirty="0"/>
-              <a:t>COPY * .</a:t>
+              <a:t>COPY . .</a:t>
             </a:r>
           </a:p>
           <a:p>

--- a/slides/triads-ris-workshop-day-4.pptx
+++ b/slides/triads-ris-workshop-day-4.pptx
@@ -5,7 +5,7 @@
     <p:sldMasterId id="2147483648" r:id="rId1"/>
   </p:sldMasterIdLst>
   <p:notesMasterIdLst>
-    <p:notesMasterId r:id="rId17"/>
+    <p:notesMasterId r:id="rId18"/>
   </p:notesMasterIdLst>
   <p:sldIdLst>
     <p:sldId id="256" r:id="rId2"/>
@@ -22,7 +22,8 @@
     <p:sldId id="333" r:id="rId13"/>
     <p:sldId id="334" r:id="rId14"/>
     <p:sldId id="297" r:id="rId15"/>
-    <p:sldId id="294" r:id="rId16"/>
+    <p:sldId id="335" r:id="rId16"/>
+    <p:sldId id="294" r:id="rId17"/>
   </p:sldIdLst>
   <p:sldSz cx="12192000" cy="6858000"/>
   <p:notesSz cx="6858000" cy="9144000"/>
@@ -211,7 +212,7 @@
           <a:p>
             <a:fld id="{0EB23CB4-0EBB-7E43-AEC8-D5ADDA650247}" type="datetimeFigureOut">
               <a:rPr lang="en-US" smtClean="0"/>
-              <a:t>11/13/24</a:t>
+              <a:t>11/14/24</a:t>
             </a:fld>
             <a:endParaRPr lang="en-US"/>
           </a:p>
@@ -879,7 +880,91 @@
           <a:p>
             <a:fld id="{C2FD1589-7E77-6440-8706-C35CABE01F1C}" type="slidenum">
               <a:rPr lang="en-US" smtClean="0"/>
-              <a:t>15</a:t>
+              <a:t>12</a:t>
+            </a:fld>
+            <a:endParaRPr lang="en-US"/>
+          </a:p>
+        </p:txBody>
+      </p:sp>
+    </p:spTree>
+    <p:extLst>
+      <p:ext uri="{BB962C8B-B14F-4D97-AF65-F5344CB8AC3E}">
+        <p14:creationId xmlns:p14="http://schemas.microsoft.com/office/powerpoint/2010/main" val="3060228126"/>
+      </p:ext>
+    </p:extLst>
+  </p:cSld>
+  <p:clrMapOvr>
+    <a:masterClrMapping/>
+  </p:clrMapOvr>
+</p:notes>
+</file>
+
+<file path=ppt/notesSlides/notesSlide6.xml><?xml version="1.0" encoding="utf-8"?>
+<p:notes xmlns:a="http://schemas.openxmlformats.org/drawingml/2006/main" xmlns:r="http://schemas.openxmlformats.org/officeDocument/2006/relationships" xmlns:p="http://schemas.openxmlformats.org/presentationml/2006/main">
+  <p:cSld>
+    <p:spTree>
+      <p:nvGrpSpPr>
+        <p:cNvPr id="1" name=""/>
+        <p:cNvGrpSpPr/>
+        <p:nvPr/>
+      </p:nvGrpSpPr>
+      <p:grpSpPr>
+        <a:xfrm>
+          <a:off x="0" y="0"/>
+          <a:ext cx="0" cy="0"/>
+          <a:chOff x="0" y="0"/>
+          <a:chExt cx="0" cy="0"/>
+        </a:xfrm>
+      </p:grpSpPr>
+      <p:sp>
+        <p:nvSpPr>
+          <p:cNvPr id="2" name="Slide Image Placeholder 1"/>
+          <p:cNvSpPr>
+            <a:spLocks noGrp="1" noRot="1" noChangeAspect="1"/>
+          </p:cNvSpPr>
+          <p:nvPr>
+            <p:ph type="sldImg"/>
+          </p:nvPr>
+        </p:nvSpPr>
+        <p:spPr/>
+      </p:sp>
+      <p:sp>
+        <p:nvSpPr>
+          <p:cNvPr id="3" name="Notes Placeholder 2"/>
+          <p:cNvSpPr>
+            <a:spLocks noGrp="1"/>
+          </p:cNvSpPr>
+          <p:nvPr>
+            <p:ph type="body" idx="1"/>
+          </p:nvPr>
+        </p:nvSpPr>
+        <p:spPr/>
+        <p:txBody>
+          <a:bodyPr/>
+          <a:lstStyle/>
+          <a:p>
+            <a:endParaRPr lang="en-US" dirty="0"/>
+          </a:p>
+        </p:txBody>
+      </p:sp>
+      <p:sp>
+        <p:nvSpPr>
+          <p:cNvPr id="4" name="Slide Number Placeholder 3"/>
+          <p:cNvSpPr>
+            <a:spLocks noGrp="1"/>
+          </p:cNvSpPr>
+          <p:nvPr>
+            <p:ph type="sldNum" sz="quarter" idx="5"/>
+          </p:nvPr>
+        </p:nvSpPr>
+        <p:spPr/>
+        <p:txBody>
+          <a:bodyPr/>
+          <a:lstStyle/>
+          <a:p>
+            <a:fld id="{C2FD1589-7E77-6440-8706-C35CABE01F1C}" type="slidenum">
+              <a:rPr lang="en-US" smtClean="0"/>
+              <a:t>16</a:t>
             </a:fld>
             <a:endParaRPr lang="en-US"/>
           </a:p>
@@ -1045,7 +1130,7 @@
           <a:p>
             <a:fld id="{2B281CE9-E0DF-2844-850D-DF93F0722CA0}" type="datetimeFigureOut">
               <a:rPr lang="en-US" smtClean="0"/>
-              <a:t>11/13/24</a:t>
+              <a:t>11/14/24</a:t>
             </a:fld>
             <a:endParaRPr lang="en-US"/>
           </a:p>
@@ -1243,7 +1328,7 @@
           <a:p>
             <a:fld id="{2B281CE9-E0DF-2844-850D-DF93F0722CA0}" type="datetimeFigureOut">
               <a:rPr lang="en-US" smtClean="0"/>
-              <a:t>11/13/24</a:t>
+              <a:t>11/14/24</a:t>
             </a:fld>
             <a:endParaRPr lang="en-US"/>
           </a:p>
@@ -1451,7 +1536,7 @@
           <a:p>
             <a:fld id="{2B281CE9-E0DF-2844-850D-DF93F0722CA0}" type="datetimeFigureOut">
               <a:rPr lang="en-US" smtClean="0"/>
-              <a:t>11/13/24</a:t>
+              <a:t>11/14/24</a:t>
             </a:fld>
             <a:endParaRPr lang="en-US"/>
           </a:p>
@@ -1649,7 +1734,7 @@
           <a:p>
             <a:fld id="{2B281CE9-E0DF-2844-850D-DF93F0722CA0}" type="datetimeFigureOut">
               <a:rPr lang="en-US" smtClean="0"/>
-              <a:t>11/13/24</a:t>
+              <a:t>11/14/24</a:t>
             </a:fld>
             <a:endParaRPr lang="en-US"/>
           </a:p>
@@ -1924,7 +2009,7 @@
           <a:p>
             <a:fld id="{2B281CE9-E0DF-2844-850D-DF93F0722CA0}" type="datetimeFigureOut">
               <a:rPr lang="en-US" smtClean="0"/>
-              <a:t>11/13/24</a:t>
+              <a:t>11/14/24</a:t>
             </a:fld>
             <a:endParaRPr lang="en-US"/>
           </a:p>
@@ -2189,7 +2274,7 @@
           <a:p>
             <a:fld id="{2B281CE9-E0DF-2844-850D-DF93F0722CA0}" type="datetimeFigureOut">
               <a:rPr lang="en-US" smtClean="0"/>
-              <a:t>11/13/24</a:t>
+              <a:t>11/14/24</a:t>
             </a:fld>
             <a:endParaRPr lang="en-US"/>
           </a:p>
@@ -2601,7 +2686,7 @@
           <a:p>
             <a:fld id="{2B281CE9-E0DF-2844-850D-DF93F0722CA0}" type="datetimeFigureOut">
               <a:rPr lang="en-US" smtClean="0"/>
-              <a:t>11/13/24</a:t>
+              <a:t>11/14/24</a:t>
             </a:fld>
             <a:endParaRPr lang="en-US"/>
           </a:p>
@@ -2742,7 +2827,7 @@
           <a:p>
             <a:fld id="{2B281CE9-E0DF-2844-850D-DF93F0722CA0}" type="datetimeFigureOut">
               <a:rPr lang="en-US" smtClean="0"/>
-              <a:t>11/13/24</a:t>
+              <a:t>11/14/24</a:t>
             </a:fld>
             <a:endParaRPr lang="en-US"/>
           </a:p>
@@ -2855,7 +2940,7 @@
           <a:p>
             <a:fld id="{2B281CE9-E0DF-2844-850D-DF93F0722CA0}" type="datetimeFigureOut">
               <a:rPr lang="en-US" smtClean="0"/>
-              <a:t>11/13/24</a:t>
+              <a:t>11/14/24</a:t>
             </a:fld>
             <a:endParaRPr lang="en-US"/>
           </a:p>
@@ -3166,7 +3251,7 @@
           <a:p>
             <a:fld id="{2B281CE9-E0DF-2844-850D-DF93F0722CA0}" type="datetimeFigureOut">
               <a:rPr lang="en-US" smtClean="0"/>
-              <a:t>11/13/24</a:t>
+              <a:t>11/14/24</a:t>
             </a:fld>
             <a:endParaRPr lang="en-US"/>
           </a:p>
@@ -3454,7 +3539,7 @@
           <a:p>
             <a:fld id="{2B281CE9-E0DF-2844-850D-DF93F0722CA0}" type="datetimeFigureOut">
               <a:rPr lang="en-US" smtClean="0"/>
-              <a:t>11/13/24</a:t>
+              <a:t>11/14/24</a:t>
             </a:fld>
             <a:endParaRPr lang="en-US"/>
           </a:p>
@@ -3695,7 +3780,7 @@
           <a:p>
             <a:fld id="{2B281CE9-E0DF-2844-850D-DF93F0722CA0}" type="datetimeFigureOut">
               <a:rPr lang="en-US" smtClean="0"/>
-              <a:t>11/13/24</a:t>
+              <a:t>11/14/24</a:t>
             </a:fld>
             <a:endParaRPr lang="en-US"/>
           </a:p>
@@ -4182,7 +4267,7 @@
           <a:p>
             <a:r>
               <a:rPr lang="en-US" sz="3600" dirty="0"/>
-              <a:t>Day 3!</a:t>
+              <a:t>Day 4!</a:t>
             </a:r>
           </a:p>
         </p:txBody>
@@ -4635,7 +4720,9 @@
         </p:nvSpPr>
         <p:spPr/>
         <p:txBody>
-          <a:bodyPr/>
+          <a:bodyPr>
+            <a:normAutofit lnSpcReduction="10000"/>
+          </a:bodyPr>
           <a:lstStyle/>
           <a:p>
             <a:r>
@@ -4644,7 +4731,7 @@
             </a:r>
             <a:r>
               <a:rPr lang="en-US" dirty="0">
-                <a:hlinkClick r:id="rId2"/>
+                <a:hlinkClick r:id="rId3"/>
               </a:rPr>
               <a:t>a lot of ways to modify the bsub command</a:t>
             </a:r>
@@ -4701,6 +4788,32 @@
             </a:r>
           </a:p>
           <a:p>
+            <a:pPr lvl="3"/>
+            <a:r>
+              <a:rPr lang="en-US" dirty="0" err="1"/>
+              <a:t>bhosts</a:t>
+            </a:r>
+            <a:r>
+              <a:rPr lang="en-US" dirty="0"/>
+              <a:t> -w -</a:t>
+            </a:r>
+            <a:r>
+              <a:rPr lang="en-US" dirty="0" err="1"/>
+              <a:t>gpu</a:t>
+            </a:r>
+            <a:r>
+              <a:rPr lang="en-US" dirty="0"/>
+              <a:t> workshop-interactive</a:t>
+            </a:r>
+          </a:p>
+          <a:p>
+            <a:pPr lvl="4"/>
+            <a:r>
+              <a:rPr lang="en-US" dirty="0"/>
+              <a:t>Can be used to find the GPUs available on queue (workshop-interactive in this case)</a:t>
+            </a:r>
+          </a:p>
+          <a:p>
             <a:pPr lvl="1"/>
             <a:r>
               <a:rPr lang="en-US" dirty="0"/>
@@ -4756,10 +4869,9 @@
               <a:t>gpuhost</a:t>
             </a:r>
             <a:r>
-              <a:rPr lang="en-US"/>
+              <a:rPr lang="en-US" dirty="0"/>
               <a:t> comes first)</a:t>
             </a:r>
-            <a:endParaRPr lang="en-US" dirty="0"/>
           </a:p>
         </p:txBody>
       </p:sp>
@@ -4861,7 +4973,7 @@
             <a:pPr lvl="1"/>
             <a:r>
               <a:rPr lang="en-US" dirty="0">
-                <a:hlinkClick r:id="rId2"/>
+                <a:hlinkClick r:id="rId3"/>
               </a:rPr>
               <a:t>General parallel processing</a:t>
             </a:r>
@@ -5076,6 +5188,105 @@
           <p:cNvPr id="2" name="Title 1">
             <a:extLst>
               <a:ext uri="{FF2B5EF4-FFF2-40B4-BE49-F238E27FC236}">
+                <a16:creationId xmlns:a16="http://schemas.microsoft.com/office/drawing/2014/main" id="{0B7CE61C-BF24-72E6-E33C-67C5BED5E879}"/>
+              </a:ext>
+            </a:extLst>
+          </p:cNvPr>
+          <p:cNvSpPr>
+            <a:spLocks noGrp="1"/>
+          </p:cNvSpPr>
+          <p:nvPr>
+            <p:ph type="title"/>
+          </p:nvPr>
+        </p:nvSpPr>
+        <p:spPr/>
+        <p:txBody>
+          <a:bodyPr/>
+          <a:lstStyle/>
+          <a:p>
+            <a:r>
+              <a:rPr lang="en-US" dirty="0"/>
+              <a:t>Feedback please!</a:t>
+            </a:r>
+          </a:p>
+        </p:txBody>
+      </p:sp>
+      <p:sp>
+        <p:nvSpPr>
+          <p:cNvPr id="3" name="Content Placeholder 2">
+            <a:extLst>
+              <a:ext uri="{FF2B5EF4-FFF2-40B4-BE49-F238E27FC236}">
+                <a16:creationId xmlns:a16="http://schemas.microsoft.com/office/drawing/2014/main" id="{768085E6-EC1A-8EF9-C0A9-F5562C5881C4}"/>
+              </a:ext>
+            </a:extLst>
+          </p:cNvPr>
+          <p:cNvSpPr>
+            <a:spLocks noGrp="1"/>
+          </p:cNvSpPr>
+          <p:nvPr>
+            <p:ph idx="1"/>
+          </p:nvPr>
+        </p:nvSpPr>
+        <p:spPr/>
+        <p:txBody>
+          <a:bodyPr>
+            <a:normAutofit/>
+          </a:bodyPr>
+          <a:lstStyle/>
+          <a:p>
+            <a:pPr marL="0" indent="0">
+              <a:buNone/>
+            </a:pPr>
+            <a:r>
+              <a:rPr lang="en-US" sz="9600" dirty="0"/>
+              <a:t>https://</a:t>
+            </a:r>
+            <a:r>
+              <a:rPr lang="en-US" sz="9600" dirty="0" err="1"/>
+              <a:t>forms.gle</a:t>
+            </a:r>
+            <a:r>
+              <a:rPr lang="en-US" sz="9600" dirty="0"/>
+              <a:t>/9hq8g2XthN9JqCHh8</a:t>
+            </a:r>
+          </a:p>
+        </p:txBody>
+      </p:sp>
+    </p:spTree>
+    <p:extLst>
+      <p:ext uri="{BB962C8B-B14F-4D97-AF65-F5344CB8AC3E}">
+        <p14:creationId xmlns:p14="http://schemas.microsoft.com/office/powerpoint/2010/main" val="1093551344"/>
+      </p:ext>
+    </p:extLst>
+  </p:cSld>
+  <p:clrMapOvr>
+    <a:masterClrMapping/>
+  </p:clrMapOvr>
+</p:sld>
+</file>
+
+<file path=ppt/slides/slide16.xml><?xml version="1.0" encoding="utf-8"?>
+<p:sld xmlns:a="http://schemas.openxmlformats.org/drawingml/2006/main" xmlns:r="http://schemas.openxmlformats.org/officeDocument/2006/relationships" xmlns:p="http://schemas.openxmlformats.org/presentationml/2006/main">
+  <p:cSld>
+    <p:spTree>
+      <p:nvGrpSpPr>
+        <p:cNvPr id="1" name=""/>
+        <p:cNvGrpSpPr/>
+        <p:nvPr/>
+      </p:nvGrpSpPr>
+      <p:grpSpPr>
+        <a:xfrm>
+          <a:off x="0" y="0"/>
+          <a:ext cx="0" cy="0"/>
+          <a:chOff x="0" y="0"/>
+          <a:chExt cx="0" cy="0"/>
+        </a:xfrm>
+      </p:grpSpPr>
+      <p:sp>
+        <p:nvSpPr>
+          <p:cNvPr id="2" name="Title 1">
+            <a:extLst>
+              <a:ext uri="{FF2B5EF4-FFF2-40B4-BE49-F238E27FC236}">
                 <a16:creationId xmlns:a16="http://schemas.microsoft.com/office/drawing/2014/main" id="{DCA50767-38E3-3C2F-C818-697B499F84E9}"/>
               </a:ext>
             </a:extLst>
@@ -5941,7 +6152,7 @@
             </a:r>
             <a:r>
               <a:rPr lang="en-US" dirty="0" err="1"/>
-              <a:t>basic-python:latest</a:t>
+              <a:t>workshop-python:with-files</a:t>
             </a:r>
             <a:r>
               <a:rPr lang="en-US" dirty="0"/>
@@ -5964,7 +6175,7 @@
             </a:r>
             <a:r>
               <a:rPr lang="en-US" dirty="0" err="1"/>
-              <a:t>basic-python:latest</a:t>
+              <a:t>workshop-python:with-files</a:t>
             </a:r>
             <a:r>
               <a:rPr lang="en-US" dirty="0"/>
